--- a/Divulgacao/Apresentacao/Apresentação Final ProtOn.pptx
+++ b/Divulgacao/Apresentacao/Apresentação Final ProtOn.pptx
@@ -811,7 +811,7 @@
   <p:cSld>
     <p:spTree>
       <p:nvGrpSpPr>
-        <p:cNvPr id="225" name="Shape 225"/>
+        <p:cNvPr id="224" name="Shape 224"/>
         <p:cNvGrpSpPr/>
         <p:nvPr/>
       </p:nvGrpSpPr>
@@ -825,7 +825,7 @@
       </p:grpSpPr>
       <p:sp>
         <p:nvSpPr>
-          <p:cNvPr id="226" name="Google Shape;226;g20a7081dbab_2_167:notes"/>
+          <p:cNvPr id="225" name="Google Shape;225;g20a7081dbab_2_157:notes"/>
           <p:cNvSpPr txBox="1"/>
           <p:nvPr>
             <p:ph idx="1" type="body"/>
@@ -864,7 +864,7 @@
       </p:sp>
       <p:sp>
         <p:nvSpPr>
-          <p:cNvPr id="227" name="Google Shape;227;g20a7081dbab_2_167:notes"/>
+          <p:cNvPr id="226" name="Google Shape;226;g20a7081dbab_2_157:notes"/>
           <p:cNvSpPr/>
           <p:nvPr>
             <p:ph idx="2" type="sldImg"/>
@@ -910,7 +910,7 @@
   <p:cSld>
     <p:spTree>
       <p:nvGrpSpPr>
-        <p:cNvPr id="236" name="Shape 236"/>
+        <p:cNvPr id="235" name="Shape 235"/>
         <p:cNvGrpSpPr/>
         <p:nvPr/>
       </p:nvGrpSpPr>
@@ -924,7 +924,7 @@
       </p:grpSpPr>
       <p:sp>
         <p:nvSpPr>
-          <p:cNvPr id="237" name="Google Shape;237;g20a7081dbab_2_177:notes"/>
+          <p:cNvPr id="236" name="Google Shape;236;g20a7081dbab_2_167:notes"/>
           <p:cNvSpPr txBox="1"/>
           <p:nvPr>
             <p:ph idx="1" type="body"/>
@@ -963,7 +963,7 @@
       </p:sp>
       <p:sp>
         <p:nvSpPr>
-          <p:cNvPr id="238" name="Google Shape;238;g20a7081dbab_2_177:notes"/>
+          <p:cNvPr id="237" name="Google Shape;237;g20a7081dbab_2_167:notes"/>
           <p:cNvSpPr/>
           <p:nvPr>
             <p:ph idx="2" type="sldImg"/>
@@ -1518,7 +1518,7 @@
       </p:grpSpPr>
       <p:sp>
         <p:nvSpPr>
-          <p:cNvPr id="175" name="Google Shape;175;g20a7081dbab_2_120:notes"/>
+          <p:cNvPr id="175" name="Google Shape;175;g254b9e8a759_0_5:notes"/>
           <p:cNvSpPr txBox="1"/>
           <p:nvPr>
             <p:ph idx="1" type="body"/>
@@ -1557,7 +1557,7 @@
       </p:sp>
       <p:sp>
         <p:nvSpPr>
-          <p:cNvPr id="176" name="Google Shape;176;g20a7081dbab_2_120:notes"/>
+          <p:cNvPr id="176" name="Google Shape;176;g254b9e8a759_0_5:notes"/>
           <p:cNvSpPr/>
           <p:nvPr>
             <p:ph idx="2" type="sldImg"/>
@@ -1566,7 +1566,7 @@
         <p:spPr>
           <a:xfrm>
             <a:off x="1143225" y="685800"/>
-            <a:ext cx="4572225" cy="3429000"/>
+            <a:ext cx="4572300" cy="3429000"/>
           </a:xfrm>
           <a:custGeom>
             <a:rect b="b" l="l" r="r" t="t"/>
@@ -1603,7 +1603,7 @@
   <p:cSld>
     <p:spTree>
       <p:nvGrpSpPr>
-        <p:cNvPr id="192" name="Shape 192"/>
+        <p:cNvPr id="184" name="Shape 184"/>
         <p:cNvGrpSpPr/>
         <p:nvPr/>
       </p:nvGrpSpPr>
@@ -1617,7 +1617,7 @@
       </p:grpSpPr>
       <p:sp>
         <p:nvSpPr>
-          <p:cNvPr id="193" name="Google Shape;193;g20a7081dbab_2_137:notes"/>
+          <p:cNvPr id="185" name="Google Shape;185;g20a7081dbab_2_120:notes"/>
           <p:cNvSpPr txBox="1"/>
           <p:nvPr>
             <p:ph idx="1" type="body"/>
@@ -1656,7 +1656,7 @@
       </p:sp>
       <p:sp>
         <p:nvSpPr>
-          <p:cNvPr id="194" name="Google Shape;194;g20a7081dbab_2_137:notes"/>
+          <p:cNvPr id="186" name="Google Shape;186;g20a7081dbab_2_120:notes"/>
           <p:cNvSpPr/>
           <p:nvPr>
             <p:ph idx="2" type="sldImg"/>
@@ -1702,7 +1702,7 @@
   <p:cSld>
     <p:spTree>
       <p:nvGrpSpPr>
-        <p:cNvPr id="203" name="Shape 203"/>
+        <p:cNvPr id="202" name="Shape 202"/>
         <p:cNvGrpSpPr/>
         <p:nvPr/>
       </p:nvGrpSpPr>
@@ -1716,7 +1716,7 @@
       </p:grpSpPr>
       <p:sp>
         <p:nvSpPr>
-          <p:cNvPr id="204" name="Google Shape;204;g20a7081dbab_2_147:notes"/>
+          <p:cNvPr id="203" name="Google Shape;203;g20a7081dbab_2_137:notes"/>
           <p:cNvSpPr txBox="1"/>
           <p:nvPr>
             <p:ph idx="1" type="body"/>
@@ -1755,7 +1755,7 @@
       </p:sp>
       <p:sp>
         <p:nvSpPr>
-          <p:cNvPr id="205" name="Google Shape;205;g20a7081dbab_2_147:notes"/>
+          <p:cNvPr id="204" name="Google Shape;204;g20a7081dbab_2_137:notes"/>
           <p:cNvSpPr/>
           <p:nvPr>
             <p:ph idx="2" type="sldImg"/>
@@ -1801,7 +1801,7 @@
   <p:cSld>
     <p:spTree>
       <p:nvGrpSpPr>
-        <p:cNvPr id="214" name="Shape 214"/>
+        <p:cNvPr id="213" name="Shape 213"/>
         <p:cNvGrpSpPr/>
         <p:nvPr/>
       </p:nvGrpSpPr>
@@ -1815,7 +1815,7 @@
       </p:grpSpPr>
       <p:sp>
         <p:nvSpPr>
-          <p:cNvPr id="215" name="Google Shape;215;g20a7081dbab_2_157:notes"/>
+          <p:cNvPr id="214" name="Google Shape;214;g20a7081dbab_2_147:notes"/>
           <p:cNvSpPr txBox="1"/>
           <p:nvPr>
             <p:ph idx="1" type="body"/>
@@ -1854,7 +1854,7 @@
       </p:sp>
       <p:sp>
         <p:nvSpPr>
-          <p:cNvPr id="216" name="Google Shape;216;g20a7081dbab_2_157:notes"/>
+          <p:cNvPr id="215" name="Google Shape;215;g20a7081dbab_2_147:notes"/>
           <p:cNvSpPr/>
           <p:nvPr>
             <p:ph idx="2" type="sldImg"/>
@@ -16775,7 +16775,7 @@
     </p:bg>
     <p:spTree>
       <p:nvGrpSpPr>
-        <p:cNvPr id="228" name="Shape 228"/>
+        <p:cNvPr id="227" name="Shape 227"/>
         <p:cNvGrpSpPr/>
         <p:nvPr/>
       </p:nvGrpSpPr>
@@ -16789,7 +16789,7 @@
       </p:grpSpPr>
       <p:sp>
         <p:nvSpPr>
-          <p:cNvPr id="229" name="Google Shape;229;p34"/>
+          <p:cNvPr id="228" name="Google Shape;228;p34"/>
           <p:cNvSpPr/>
           <p:nvPr/>
         </p:nvSpPr>
@@ -16842,14 +16842,14 @@
       </p:sp>
       <p:sp>
         <p:nvSpPr>
-          <p:cNvPr id="230" name="Google Shape;230;p34"/>
+          <p:cNvPr id="229" name="Google Shape;229;p34"/>
           <p:cNvSpPr txBox="1"/>
           <p:nvPr/>
         </p:nvSpPr>
         <p:spPr>
           <a:xfrm>
             <a:off x="871537" y="46710"/>
-            <a:ext cx="5329238" cy="438581"/>
+            <a:ext cx="4596451" cy="438581"/>
           </a:xfrm>
           <a:prstGeom prst="rect">
             <a:avLst/>
@@ -16884,7 +16884,7 @@
                 <a:cs typeface="Montserrat"/>
                 <a:sym typeface="Montserrat"/>
               </a:rPr>
-              <a:t>Gerenciar permissões (Paciente)</a:t>
+              <a:t>Buscar pacientes (Dentista)</a:t>
             </a:r>
             <a:endParaRPr sz="1100"/>
           </a:p>
@@ -16892,7 +16892,7 @@
       </p:sp>
       <p:pic>
         <p:nvPicPr>
-          <p:cNvPr id="231" name="Google Shape;231;p34"/>
+          <p:cNvPr id="230" name="Google Shape;230;p34"/>
           <p:cNvPicPr preferRelativeResize="0"/>
           <p:nvPr/>
         </p:nvPicPr>
@@ -16919,7 +16919,7 @@
       </p:pic>
       <p:pic>
         <p:nvPicPr>
-          <p:cNvPr id="232" name="Google Shape;232;p34"/>
+          <p:cNvPr id="231" name="Google Shape;231;p34"/>
           <p:cNvPicPr preferRelativeResize="0"/>
           <p:nvPr/>
         </p:nvPicPr>
@@ -16946,7 +16946,7 @@
       </p:pic>
       <p:sp>
         <p:nvSpPr>
-          <p:cNvPr id="233" name="Google Shape;233;p34"/>
+          <p:cNvPr id="232" name="Google Shape;232;p34"/>
           <p:cNvSpPr txBox="1"/>
           <p:nvPr/>
         </p:nvSpPr>
@@ -16996,21 +16996,22 @@
       </p:sp>
       <p:pic>
         <p:nvPicPr>
-          <p:cNvPr id="234" name="Google Shape;234;p34"/>
+          <p:cNvPr id="233" name="Google Shape;233;p34"/>
           <p:cNvPicPr preferRelativeResize="0"/>
           <p:nvPr/>
         </p:nvPicPr>
-        <p:blipFill rotWithShape="1">
+        <p:blipFill>
           <a:blip r:embed="rId5">
             <a:alphaModFix/>
           </a:blip>
-          <a:srcRect b="11391" l="0" r="0" t="0"/>
-          <a:stretch/>
+          <a:stretch>
+            <a:fillRect/>
+          </a:stretch>
         </p:blipFill>
         <p:spPr>
           <a:xfrm>
-            <a:off x="7035289" y="988480"/>
-            <a:ext cx="1693183" cy="4155020"/>
+            <a:off x="581313" y="1366587"/>
+            <a:ext cx="5920802" cy="3389076"/>
           </a:xfrm>
           <a:prstGeom prst="rect">
             <a:avLst/>
@@ -17023,21 +17024,22 @@
       </p:pic>
       <p:pic>
         <p:nvPicPr>
-          <p:cNvPr id="235" name="Google Shape;235;p34"/>
+          <p:cNvPr id="234" name="Google Shape;234;p34"/>
           <p:cNvPicPr preferRelativeResize="0"/>
           <p:nvPr/>
         </p:nvPicPr>
-        <p:blipFill rotWithShape="1">
+        <p:blipFill>
           <a:blip r:embed="rId6">
             <a:alphaModFix/>
           </a:blip>
-          <a:srcRect b="0" l="0" r="0" t="0"/>
-          <a:stretch/>
+          <a:stretch>
+            <a:fillRect/>
+          </a:stretch>
         </p:blipFill>
         <p:spPr>
           <a:xfrm>
-            <a:off x="935831" y="824174"/>
-            <a:ext cx="5974448" cy="3360627"/>
+            <a:off x="6704798" y="1584624"/>
+            <a:ext cx="1544132" cy="3389075"/>
           </a:xfrm>
           <a:prstGeom prst="rect">
             <a:avLst/>
@@ -17062,13 +17064,13 @@
     <p:bg>
       <p:bgPr>
         <a:solidFill>
-          <a:srgbClr val="FAFAFA"/>
+          <a:schemeClr val="lt1"/>
         </a:solidFill>
       </p:bgPr>
     </p:bg>
     <p:spTree>
       <p:nvGrpSpPr>
-        <p:cNvPr id="239" name="Shape 239"/>
+        <p:cNvPr id="238" name="Shape 238"/>
         <p:cNvGrpSpPr/>
         <p:nvPr/>
       </p:nvGrpSpPr>
@@ -17082,7 +17084,7 @@
       </p:grpSpPr>
       <p:sp>
         <p:nvSpPr>
-          <p:cNvPr id="240" name="Google Shape;240;p35"/>
+          <p:cNvPr id="239" name="Google Shape;239;p35"/>
           <p:cNvSpPr/>
           <p:nvPr/>
         </p:nvSpPr>
@@ -17135,14 +17137,14 @@
       </p:sp>
       <p:sp>
         <p:nvSpPr>
-          <p:cNvPr id="241" name="Google Shape;241;p35"/>
+          <p:cNvPr id="240" name="Google Shape;240;p35"/>
           <p:cNvSpPr txBox="1"/>
           <p:nvPr/>
         </p:nvSpPr>
         <p:spPr>
           <a:xfrm>
-            <a:off x="764381" y="828675"/>
-            <a:ext cx="4339169" cy="438581"/>
+            <a:off x="871537" y="46710"/>
+            <a:ext cx="5329238" cy="438581"/>
           </a:xfrm>
           <a:prstGeom prst="rect">
             <a:avLst/>
@@ -17177,7 +17179,7 @@
                 <a:cs typeface="Montserrat"/>
                 <a:sym typeface="Montserrat"/>
               </a:rPr>
-              <a:t>Referências Bibliográficas</a:t>
+              <a:t>Gerenciar permissões (Paciente)</a:t>
             </a:r>
             <a:endParaRPr sz="1100"/>
           </a:p>
@@ -17185,7 +17187,7 @@
       </p:sp>
       <p:pic>
         <p:nvPicPr>
-          <p:cNvPr id="242" name="Google Shape;242;p35"/>
+          <p:cNvPr id="241" name="Google Shape;241;p35"/>
           <p:cNvPicPr preferRelativeResize="0"/>
           <p:nvPr/>
         </p:nvPicPr>
@@ -17210,99 +17212,9 @@
           </a:ln>
         </p:spPr>
       </p:pic>
-      <p:sp>
-        <p:nvSpPr>
-          <p:cNvPr id="243" name="Google Shape;243;p35"/>
-          <p:cNvSpPr txBox="1"/>
-          <p:nvPr/>
-        </p:nvSpPr>
-        <p:spPr>
-          <a:xfrm>
-            <a:off x="764380" y="1492608"/>
-            <a:ext cx="6900863" cy="2158283"/>
-          </a:xfrm>
-          <a:prstGeom prst="rect">
-            <a:avLst/>
-          </a:prstGeom>
-          <a:noFill/>
-          <a:ln>
-            <a:noFill/>
-          </a:ln>
-        </p:spPr>
-        <p:txBody>
-          <a:bodyPr anchorCtr="0" anchor="t" bIns="34275" lIns="68575" spcFirstLastPara="1" rIns="68575" wrap="square" tIns="34275">
-            <a:spAutoFit/>
-          </a:bodyPr>
-          <a:lstStyle/>
-          <a:p>
-            <a:pPr indent="-241300" lvl="0" marL="342900" marR="0" rtl="0" algn="just">
-              <a:lnSpc>
-                <a:spcPct val="100000"/>
-              </a:lnSpc>
-              <a:spcBef>
-                <a:spcPts val="0"/>
-              </a:spcBef>
-              <a:spcAft>
-                <a:spcPts val="0"/>
-              </a:spcAft>
-              <a:buClr>
-                <a:srgbClr val="000000"/>
-              </a:buClr>
-              <a:buSzPts val="1200"/>
-              <a:buFont typeface="Arial"/>
-              <a:buChar char="•"/>
-            </a:pPr>
-            <a:r>
-              <a:rPr b="0" i="0" lang="pt-BR" sz="1200" u="none" cap="none" strike="noStrike">
-                <a:solidFill>
-                  <a:schemeClr val="dk1"/>
-                </a:solidFill>
-                <a:latin typeface="Montserrat"/>
-                <a:ea typeface="Montserrat"/>
-                <a:cs typeface="Montserrat"/>
-                <a:sym typeface="Montserrat"/>
-              </a:rPr>
-              <a:t>Agência Brasil. OMS mostra que 5 pessoas morrem a cada minuto por erro médico. 14/09/2019. Disponível em: &lt;https://agenciabrasil.ebc.com.br/internacional/noticia/2019-09/oms- mostra-que-5-pessoas-morrem-cada-minuto-por-erro-medico&gt;. Acesso em: 12 de março de 2023.</a:t>
-            </a:r>
-            <a:endParaRPr sz="1100"/>
-          </a:p>
-          <a:p>
-            <a:pPr indent="-241300" lvl="0" marL="342900" marR="0" rtl="0" algn="just">
-              <a:lnSpc>
-                <a:spcPct val="100000"/>
-              </a:lnSpc>
-              <a:spcBef>
-                <a:spcPts val="500"/>
-              </a:spcBef>
-              <a:spcAft>
-                <a:spcPts val="0"/>
-              </a:spcAft>
-              <a:buClr>
-                <a:srgbClr val="000000"/>
-              </a:buClr>
-              <a:buSzPts val="1200"/>
-              <a:buFont typeface="Arial"/>
-              <a:buChar char="•"/>
-            </a:pPr>
-            <a:r>
-              <a:rPr b="0" i="0" lang="pt-BR" sz="1200" u="none" cap="none" strike="noStrike">
-                <a:solidFill>
-                  <a:schemeClr val="dk1"/>
-                </a:solidFill>
-                <a:latin typeface="Montserrat"/>
-                <a:ea typeface="Montserrat"/>
-                <a:cs typeface="Montserrat"/>
-                <a:sym typeface="Montserrat"/>
-              </a:rPr>
-              <a:t>Terra. Brasil é o país com mais dentistas no mundo, mas ainda existem áreas de tratamento pouco exploradas e regiões com carência de profissionais. 30/10/2018. Disponível em: &lt;https://www.terra.com.br/noticias/brasil-e-o-pais-com-mais-dentistas-no-mundo-mas-ainda-existem-areas-de-tratamento-pouco-exploradas-e-regioes-com-carencia-de-profissionais,c929151215038b55fbf6a5f93a70c3231j7ep4d8.html&gt;. Acesso em: 12 de março de 2023.</a:t>
-            </a:r>
-            <a:endParaRPr sz="1100"/>
-          </a:p>
-        </p:txBody>
-      </p:sp>
       <p:pic>
         <p:nvPicPr>
-          <p:cNvPr id="244" name="Google Shape;244;p35"/>
+          <p:cNvPr id="242" name="Google Shape;242;p35"/>
           <p:cNvPicPr preferRelativeResize="0"/>
           <p:nvPr/>
         </p:nvPicPr>
@@ -17329,14 +17241,14 @@
       </p:pic>
       <p:sp>
         <p:nvSpPr>
-          <p:cNvPr id="245" name="Google Shape;245;p35"/>
+          <p:cNvPr id="243" name="Google Shape;243;p35"/>
           <p:cNvSpPr txBox="1"/>
           <p:nvPr/>
         </p:nvSpPr>
         <p:spPr>
           <a:xfrm rot="5400000">
-            <a:off x="-152128" y="3473255"/>
-            <a:ext cx="532838" cy="150041"/>
+            <a:off x="-106441" y="2986102"/>
+            <a:ext cx="441467" cy="150041"/>
           </a:xfrm>
           <a:prstGeom prst="rect">
             <a:avLst/>
@@ -17371,12 +17283,68 @@
                 <a:cs typeface="Montserrat"/>
                 <a:sym typeface="Montserrat"/>
               </a:rPr>
-              <a:t>Referências</a:t>
+              <a:t>Interface</a:t>
             </a:r>
             <a:endParaRPr sz="1100"/>
           </a:p>
         </p:txBody>
       </p:sp>
+      <p:pic>
+        <p:nvPicPr>
+          <p:cNvPr id="244" name="Google Shape;244;p35"/>
+          <p:cNvPicPr preferRelativeResize="0"/>
+          <p:nvPr/>
+        </p:nvPicPr>
+        <p:blipFill>
+          <a:blip r:embed="rId5">
+            <a:alphaModFix/>
+          </a:blip>
+          <a:stretch>
+            <a:fillRect/>
+          </a:stretch>
+        </p:blipFill>
+        <p:spPr>
+          <a:xfrm>
+            <a:off x="531019" y="1341766"/>
+            <a:ext cx="6504283" cy="3172490"/>
+          </a:xfrm>
+          <a:prstGeom prst="rect">
+            <a:avLst/>
+          </a:prstGeom>
+          <a:noFill/>
+          <a:ln>
+            <a:noFill/>
+          </a:ln>
+        </p:spPr>
+      </p:pic>
+      <p:pic>
+        <p:nvPicPr>
+          <p:cNvPr id="245" name="Google Shape;245;p35"/>
+          <p:cNvPicPr preferRelativeResize="0"/>
+          <p:nvPr/>
+        </p:nvPicPr>
+        <p:blipFill>
+          <a:blip r:embed="rId6">
+            <a:alphaModFix/>
+          </a:blip>
+          <a:stretch>
+            <a:fillRect/>
+          </a:stretch>
+        </p:blipFill>
+        <p:spPr>
+          <a:xfrm>
+            <a:off x="7187700" y="1341775"/>
+            <a:ext cx="1662378" cy="3618375"/>
+          </a:xfrm>
+          <a:prstGeom prst="rect">
+            <a:avLst/>
+          </a:prstGeom>
+          <a:noFill/>
+          <a:ln>
+            <a:noFill/>
+          </a:ln>
+        </p:spPr>
+      </p:pic>
     </p:spTree>
   </p:cSld>
   <p:clrMapOvr>
@@ -17845,8 +17813,8 @@
         </p:nvSpPr>
         <p:spPr>
           <a:xfrm>
-            <a:off x="764380" y="1694587"/>
-            <a:ext cx="6322220" cy="1754327"/>
+            <a:off x="764381" y="2010012"/>
+            <a:ext cx="6322200" cy="1123500"/>
           </a:xfrm>
           <a:prstGeom prst="rect">
             <a:avLst/>
@@ -17923,10 +17891,18 @@
               </a:rPr>
               <a:t>Intervenções que podem afetar diretamente a saúde do paciente;</a:t>
             </a:r>
-            <a:endParaRPr sz="1100"/>
+            <a:endParaRPr sz="1400">
+              <a:solidFill>
+                <a:schemeClr val="dk1"/>
+              </a:solidFill>
+              <a:latin typeface="Montserrat"/>
+              <a:ea typeface="Montserrat"/>
+              <a:cs typeface="Montserrat"/>
+              <a:sym typeface="Montserrat"/>
+            </a:endParaRPr>
           </a:p>
           <a:p>
-            <a:pPr indent="-241300" lvl="0" marL="342900" marR="0" rtl="0" algn="l">
+            <a:pPr indent="-234950" lvl="0" marL="342900" marR="0" rtl="0" algn="l">
               <a:lnSpc>
                 <a:spcPct val="100000"/>
               </a:lnSpc>
@@ -17939,12 +17915,12 @@
               <a:buClr>
                 <a:schemeClr val="dk1"/>
               </a:buClr>
-              <a:buSzPts val="1200"/>
+              <a:buSzPts val="1100"/>
               <a:buFont typeface="Montserrat"/>
               <a:buChar char="●"/>
             </a:pPr>
             <a:r>
-              <a:rPr lang="pt-BR" sz="1400">
+              <a:rPr lang="pt-BR">
                 <a:solidFill>
                   <a:schemeClr val="dk1"/>
                 </a:solidFill>
@@ -17953,12 +17929,20 @@
                 <a:cs typeface="Montserrat"/>
                 <a:sym typeface="Montserrat"/>
               </a:rPr>
-              <a:t>Objetivo de auxiliar os profissionais da área no atendimento aos pacientes;</a:t>
+              <a:t>Atendimento a cada paciente deve ser personalizado;</a:t>
             </a:r>
-            <a:endParaRPr sz="1100"/>
+            <a:endParaRPr>
+              <a:solidFill>
+                <a:schemeClr val="dk1"/>
+              </a:solidFill>
+              <a:latin typeface="Montserrat"/>
+              <a:ea typeface="Montserrat"/>
+              <a:cs typeface="Montserrat"/>
+              <a:sym typeface="Montserrat"/>
+            </a:endParaRPr>
           </a:p>
           <a:p>
-            <a:pPr indent="-241300" lvl="0" marL="342900" marR="0" rtl="0" algn="l">
+            <a:pPr indent="-234950" lvl="0" marL="342900" marR="0" rtl="0" algn="l">
               <a:lnSpc>
                 <a:spcPct val="100000"/>
               </a:lnSpc>
@@ -17971,12 +17955,12 @@
               <a:buClr>
                 <a:schemeClr val="dk1"/>
               </a:buClr>
-              <a:buSzPts val="1200"/>
+              <a:buSzPts val="1100"/>
               <a:buFont typeface="Montserrat"/>
               <a:buChar char="●"/>
             </a:pPr>
             <a:r>
-              <a:rPr lang="pt-BR" sz="1400">
+              <a:rPr lang="pt-BR">
                 <a:solidFill>
                   <a:schemeClr val="dk1"/>
                 </a:solidFill>
@@ -17985,41 +17969,17 @@
                 <a:cs typeface="Montserrat"/>
                 <a:sym typeface="Montserrat"/>
               </a:rPr>
-              <a:t>Criação de um sistema de recomendação de protocolos odontológicos;</a:t>
+              <a:t>Inúmeras condições de saúde que podem afetar o atendimento;</a:t>
             </a:r>
-            <a:endParaRPr sz="1100"/>
-          </a:p>
-          <a:p>
-            <a:pPr indent="-241300" lvl="0" marL="342900" marR="0" rtl="0" algn="l">
-              <a:lnSpc>
-                <a:spcPct val="100000"/>
-              </a:lnSpc>
-              <a:spcBef>
-                <a:spcPts val="500"/>
-              </a:spcBef>
-              <a:spcAft>
-                <a:spcPts val="0"/>
-              </a:spcAft>
-              <a:buClr>
+            <a:endParaRPr>
+              <a:solidFill>
                 <a:schemeClr val="dk1"/>
-              </a:buClr>
-              <a:buSzPts val="1200"/>
-              <a:buFont typeface="Montserrat"/>
-              <a:buChar char="●"/>
-            </a:pPr>
-            <a:r>
-              <a:rPr lang="pt-BR" sz="1400">
-                <a:solidFill>
-                  <a:schemeClr val="dk1"/>
-                </a:solidFill>
-                <a:latin typeface="Montserrat"/>
-                <a:ea typeface="Montserrat"/>
-                <a:cs typeface="Montserrat"/>
-                <a:sym typeface="Montserrat"/>
-              </a:rPr>
-              <a:t>Enfoque nas condições individuais de cada paciente.</a:t>
-            </a:r>
-            <a:endParaRPr sz="1100"/>
+              </a:solidFill>
+              <a:latin typeface="Montserrat"/>
+              <a:ea typeface="Montserrat"/>
+              <a:cs typeface="Montserrat"/>
+              <a:sym typeface="Montserrat"/>
+            </a:endParaRPr>
           </a:p>
         </p:txBody>
       </p:sp>
@@ -18193,8 +18153,8 @@
         </p:nvSpPr>
         <p:spPr>
           <a:xfrm>
-            <a:off x="764380" y="1457984"/>
-            <a:ext cx="5707857" cy="1812034"/>
+            <a:off x="764381" y="1457984"/>
+            <a:ext cx="5707800" cy="1554600"/>
           </a:xfrm>
           <a:prstGeom prst="rect">
             <a:avLst/>
@@ -18239,15 +18199,7 @@
               </a:rPr>
               <a:t>O que queremos resolver:</a:t>
             </a:r>
-            <a:endParaRPr sz="1400">
-              <a:solidFill>
-                <a:schemeClr val="dk1"/>
-              </a:solidFill>
-              <a:latin typeface="Montserrat"/>
-              <a:ea typeface="Montserrat"/>
-              <a:cs typeface="Montserrat"/>
-              <a:sym typeface="Montserrat"/>
-            </a:endParaRPr>
+            <a:endParaRPr sz="1100"/>
           </a:p>
           <a:p>
             <a:pPr indent="-241300" lvl="0" marL="342900" marR="0" rtl="0" algn="l">
@@ -18255,7 +18207,7 @@
                 <a:spcPct val="100000"/>
               </a:lnSpc>
               <a:spcBef>
-                <a:spcPts val="900"/>
+                <a:spcPts val="500"/>
               </a:spcBef>
               <a:spcAft>
                 <a:spcPts val="0"/>
@@ -18277,7 +18229,31 @@
                 <a:cs typeface="Montserrat"/>
                 <a:sym typeface="Montserrat"/>
               </a:rPr>
-              <a:t>Informações cruciais;</a:t>
+              <a:t>Descentralização </a:t>
+            </a:r>
+            <a:r>
+              <a:rPr lang="pt-BR">
+                <a:solidFill>
+                  <a:schemeClr val="dk1"/>
+                </a:solidFill>
+                <a:latin typeface="Montserrat"/>
+                <a:ea typeface="Montserrat"/>
+                <a:cs typeface="Montserrat"/>
+                <a:sym typeface="Montserrat"/>
+              </a:rPr>
+              <a:t>das informações</a:t>
+            </a:r>
+            <a:r>
+              <a:rPr lang="pt-BR" sz="1400">
+                <a:solidFill>
+                  <a:schemeClr val="dk1"/>
+                </a:solidFill>
+                <a:latin typeface="Montserrat"/>
+                <a:ea typeface="Montserrat"/>
+                <a:cs typeface="Montserrat"/>
+                <a:sym typeface="Montserrat"/>
+              </a:rPr>
+              <a:t>;</a:t>
             </a:r>
             <a:endParaRPr sz="1100"/>
           </a:p>
@@ -18309,28 +18285,20 @@
                 <a:cs typeface="Montserrat"/>
                 <a:sym typeface="Montserrat"/>
               </a:rPr>
-              <a:t>Descentralização nas mãos do dentista;</a:t>
+              <a:t>Dificuldade de relacionar dados </a:t>
             </a:r>
-            <a:endParaRPr sz="1100"/>
-          </a:p>
-          <a:p>
-            <a:pPr indent="-241300" lvl="0" marL="342900" marR="0" rtl="0" algn="l">
-              <a:lnSpc>
-                <a:spcPct val="100000"/>
-              </a:lnSpc>
-              <a:spcBef>
-                <a:spcPts val="500"/>
-              </a:spcBef>
-              <a:spcAft>
-                <a:spcPts val="0"/>
-              </a:spcAft>
-              <a:buClr>
-                <a:schemeClr val="dk1"/>
-              </a:buClr>
-              <a:buSzPts val="1200"/>
-              <a:buFont typeface="Montserrat"/>
-              <a:buChar char="●"/>
-            </a:pPr>
+            <a:r>
+              <a:rPr lang="pt-BR">
+                <a:solidFill>
+                  <a:schemeClr val="dk1"/>
+                </a:solidFill>
+                <a:latin typeface="Montserrat"/>
+                <a:ea typeface="Montserrat"/>
+                <a:cs typeface="Montserrat"/>
+                <a:sym typeface="Montserrat"/>
+              </a:rPr>
+              <a:t>de saúde </a:t>
+            </a:r>
             <a:r>
               <a:rPr lang="pt-BR" sz="1400">
                 <a:solidFill>
@@ -18341,7 +18309,31 @@
                 <a:cs typeface="Montserrat"/>
                 <a:sym typeface="Montserrat"/>
               </a:rPr>
-              <a:t>Dificuldade de relacionar dados médicos do paciente com protocolos;</a:t>
+              <a:t>do paciente com os protocolos de a</a:t>
+            </a:r>
+            <a:r>
+              <a:rPr lang="pt-BR">
+                <a:solidFill>
+                  <a:schemeClr val="dk1"/>
+                </a:solidFill>
+                <a:latin typeface="Montserrat"/>
+                <a:ea typeface="Montserrat"/>
+                <a:cs typeface="Montserrat"/>
+                <a:sym typeface="Montserrat"/>
+              </a:rPr>
+              <a:t>tendimento</a:t>
+            </a:r>
+            <a:r>
+              <a:rPr lang="pt-BR" sz="1400">
+                <a:solidFill>
+                  <a:schemeClr val="dk1"/>
+                </a:solidFill>
+                <a:latin typeface="Montserrat"/>
+                <a:ea typeface="Montserrat"/>
+                <a:cs typeface="Montserrat"/>
+                <a:sym typeface="Montserrat"/>
+              </a:rPr>
+              <a:t>;</a:t>
             </a:r>
             <a:endParaRPr sz="1100"/>
           </a:p>
@@ -19305,7 +19297,7 @@
         <p:spPr>
           <a:xfrm>
             <a:off x="-228600" y="0"/>
-            <a:ext cx="607219" cy="5143500"/>
+            <a:ext cx="607200" cy="5143500"/>
           </a:xfrm>
           <a:prstGeom prst="roundRect">
             <a:avLst>
@@ -19357,8 +19349,8 @@
         </p:nvSpPr>
         <p:spPr>
           <a:xfrm>
-            <a:off x="764380" y="828675"/>
-            <a:ext cx="2075328" cy="438581"/>
+            <a:off x="764381" y="828675"/>
+            <a:ext cx="2445600" cy="438600"/>
           </a:xfrm>
           <a:prstGeom prst="rect">
             <a:avLst/>
@@ -19393,7 +19385,7 @@
                 <a:cs typeface="Montserrat"/>
                 <a:sym typeface="Montserrat"/>
               </a:rPr>
-              <a:t>Tecnologias</a:t>
+              <a:t>Parceria</a:t>
             </a:r>
             <a:endParaRPr sz="1100"/>
           </a:p>
@@ -19426,9 +19418,333 @@
           </a:ln>
         </p:spPr>
       </p:pic>
+      <p:sp>
+        <p:nvSpPr>
+          <p:cNvPr id="181" name="Google Shape;181;p30"/>
+          <p:cNvSpPr txBox="1"/>
+          <p:nvPr/>
+        </p:nvSpPr>
+        <p:spPr>
+          <a:xfrm>
+            <a:off x="764375" y="2121625"/>
+            <a:ext cx="5827500" cy="1146600"/>
+          </a:xfrm>
+          <a:prstGeom prst="rect">
+            <a:avLst/>
+          </a:prstGeom>
+          <a:noFill/>
+          <a:ln>
+            <a:noFill/>
+          </a:ln>
+        </p:spPr>
+        <p:txBody>
+          <a:bodyPr anchorCtr="0" anchor="t" bIns="34275" lIns="68575" spcFirstLastPara="1" rIns="68575" wrap="square" tIns="34275">
+            <a:spAutoFit/>
+          </a:bodyPr>
+          <a:lstStyle/>
+          <a:p>
+            <a:pPr indent="0" lvl="0" marL="101600" marR="0" rtl="0" algn="just">
+              <a:lnSpc>
+                <a:spcPct val="100000"/>
+              </a:lnSpc>
+              <a:spcBef>
+                <a:spcPts val="0"/>
+              </a:spcBef>
+              <a:spcAft>
+                <a:spcPts val="0"/>
+              </a:spcAft>
+              <a:buNone/>
+            </a:pPr>
+            <a:r>
+              <a:rPr lang="pt-BR">
+                <a:solidFill>
+                  <a:schemeClr val="dk1"/>
+                </a:solidFill>
+                <a:latin typeface="Montserrat"/>
+                <a:ea typeface="Montserrat"/>
+                <a:cs typeface="Montserrat"/>
+                <a:sym typeface="Montserrat"/>
+              </a:rPr>
+              <a:t>O presente trabalho foi feito com a parceria da </a:t>
+            </a:r>
+            <a:r>
+              <a:rPr lang="pt-BR">
+                <a:solidFill>
+                  <a:schemeClr val="dk1"/>
+                </a:solidFill>
+                <a:latin typeface="Montserrat"/>
+                <a:ea typeface="Montserrat"/>
+                <a:cs typeface="Montserrat"/>
+                <a:sym typeface="Montserrat"/>
+              </a:rPr>
+              <a:t>Jôice Dias Corrêa, professora </a:t>
+            </a:r>
+            <a:r>
+              <a:rPr lang="pt-BR">
+                <a:solidFill>
+                  <a:schemeClr val="dk1"/>
+                </a:solidFill>
+                <a:latin typeface="Montserrat"/>
+                <a:ea typeface="Montserrat"/>
+                <a:cs typeface="Montserrat"/>
+                <a:sym typeface="Montserrat"/>
+              </a:rPr>
+              <a:t>de Odontologia da PUC Minas, que apresentou para o grupo a ideia inicial do sistema e também forneceu as informações técnicas da área de odontologia para a realização do trabalho.</a:t>
+            </a:r>
+            <a:endParaRPr b="0" i="0" sz="1100" u="none" cap="none" strike="noStrike">
+              <a:solidFill>
+                <a:schemeClr val="dk1"/>
+              </a:solidFill>
+              <a:latin typeface="Montserrat"/>
+              <a:ea typeface="Montserrat"/>
+              <a:cs typeface="Montserrat"/>
+              <a:sym typeface="Montserrat"/>
+            </a:endParaRPr>
+          </a:p>
+        </p:txBody>
+      </p:sp>
       <p:pic>
         <p:nvPicPr>
-          <p:cNvPr id="181" name="Google Shape;181;p30"/>
+          <p:cNvPr id="182" name="Google Shape;182;p30"/>
+          <p:cNvPicPr preferRelativeResize="0"/>
+          <p:nvPr/>
+        </p:nvPicPr>
+        <p:blipFill rotWithShape="1">
+          <a:blip r:embed="rId4">
+            <a:alphaModFix/>
+          </a:blip>
+          <a:srcRect b="0" l="0" r="0" t="0"/>
+          <a:stretch/>
+        </p:blipFill>
+        <p:spPr>
+          <a:xfrm>
+            <a:off x="546290" y="156956"/>
+            <a:ext cx="218091" cy="218091"/>
+          </a:xfrm>
+          <a:prstGeom prst="rect">
+            <a:avLst/>
+          </a:prstGeom>
+          <a:noFill/>
+          <a:ln>
+            <a:noFill/>
+          </a:ln>
+        </p:spPr>
+      </p:pic>
+      <p:sp>
+        <p:nvSpPr>
+          <p:cNvPr id="183" name="Google Shape;183;p30"/>
+          <p:cNvSpPr txBox="1"/>
+          <p:nvPr/>
+        </p:nvSpPr>
+        <p:spPr>
+          <a:xfrm rot="5400000">
+            <a:off x="-111740" y="2002168"/>
+            <a:ext cx="456000" cy="146100"/>
+          </a:xfrm>
+          <a:prstGeom prst="rect">
+            <a:avLst/>
+          </a:prstGeom>
+          <a:noFill/>
+          <a:ln>
+            <a:noFill/>
+          </a:ln>
+        </p:spPr>
+        <p:txBody>
+          <a:bodyPr anchorCtr="0" anchor="t" bIns="34275" lIns="68575" spcFirstLastPara="1" rIns="68575" wrap="square" tIns="34275">
+            <a:spAutoFit/>
+          </a:bodyPr>
+          <a:lstStyle/>
+          <a:p>
+            <a:pPr indent="0" lvl="0" marL="0" marR="0" rtl="0" algn="l">
+              <a:spcBef>
+                <a:spcPts val="0"/>
+              </a:spcBef>
+              <a:spcAft>
+                <a:spcPts val="0"/>
+              </a:spcAft>
+              <a:buNone/>
+            </a:pPr>
+            <a:r>
+              <a:rPr lang="pt-BR" sz="500">
+                <a:solidFill>
+                  <a:schemeClr val="lt1"/>
+                </a:solidFill>
+                <a:latin typeface="Montserrat"/>
+                <a:ea typeface="Montserrat"/>
+                <a:cs typeface="Montserrat"/>
+                <a:sym typeface="Montserrat"/>
+              </a:rPr>
+              <a:t>Objetivos</a:t>
+            </a:r>
+            <a:endParaRPr sz="1100"/>
+          </a:p>
+        </p:txBody>
+      </p:sp>
+    </p:spTree>
+  </p:cSld>
+  <p:clrMapOvr>
+    <a:masterClrMapping/>
+  </p:clrMapOvr>
+</p:sld>
+</file>
+
+<file path=ppt/slides/slide7.xml><?xml version="1.0" encoding="utf-8"?>
+<p:sld xmlns:a="http://schemas.openxmlformats.org/drawingml/2006/main" xmlns:r="http://schemas.openxmlformats.org/officeDocument/2006/relationships" xmlns:mc="http://schemas.openxmlformats.org/markup-compatibility/2006" xmlns:mv="urn:schemas-microsoft-com:mac:vml" xmlns:p="http://schemas.openxmlformats.org/presentationml/2006/main" xmlns:c="http://schemas.openxmlformats.org/drawingml/2006/chart" xmlns:dgm="http://schemas.openxmlformats.org/drawingml/2006/diagram" xmlns:o="urn:schemas-microsoft-com:office:office" xmlns:v="urn:schemas-microsoft-com:vml" xmlns:pvml="urn:schemas-microsoft-com:office:powerpoint" xmlns:com="http://schemas.openxmlformats.org/drawingml/2006/compatibility" xmlns:p14="http://schemas.microsoft.com/office/powerpoint/2010/main" xmlns:p15="http://schemas.microsoft.com/office/powerpoint/2012/main" xmlns:ahyp="http://schemas.microsoft.com/office/drawing/2018/hyperlinkcolor">
+  <p:cSld>
+    <p:bg>
+      <p:bgPr>
+        <a:solidFill>
+          <a:srgbClr val="FAFAFA"/>
+        </a:solidFill>
+      </p:bgPr>
+    </p:bg>
+    <p:spTree>
+      <p:nvGrpSpPr>
+        <p:cNvPr id="187" name="Shape 187"/>
+        <p:cNvGrpSpPr/>
+        <p:nvPr/>
+      </p:nvGrpSpPr>
+      <p:grpSpPr>
+        <a:xfrm>
+          <a:off x="0" y="0"/>
+          <a:ext cx="0" cy="0"/>
+          <a:chOff x="0" y="0"/>
+          <a:chExt cx="0" cy="0"/>
+        </a:xfrm>
+      </p:grpSpPr>
+      <p:sp>
+        <p:nvSpPr>
+          <p:cNvPr id="188" name="Google Shape;188;p31"/>
+          <p:cNvSpPr/>
+          <p:nvPr/>
+        </p:nvSpPr>
+        <p:spPr>
+          <a:xfrm>
+            <a:off x="-228600" y="0"/>
+            <a:ext cx="607219" cy="5143500"/>
+          </a:xfrm>
+          <a:prstGeom prst="roundRect">
+            <a:avLst>
+              <a:gd fmla="val 16667" name="adj"/>
+            </a:avLst>
+          </a:prstGeom>
+          <a:solidFill>
+            <a:srgbClr val="62A8DB"/>
+          </a:solidFill>
+          <a:ln>
+            <a:noFill/>
+          </a:ln>
+        </p:spPr>
+        <p:txBody>
+          <a:bodyPr anchorCtr="0" anchor="ctr" bIns="34275" lIns="68575" spcFirstLastPara="1" rIns="68575" wrap="square" tIns="34275">
+            <a:noAutofit/>
+          </a:bodyPr>
+          <a:lstStyle/>
+          <a:p>
+            <a:pPr indent="0" lvl="0" marL="0" marR="0" rtl="0" algn="ctr">
+              <a:spcBef>
+                <a:spcPts val="0"/>
+              </a:spcBef>
+              <a:spcAft>
+                <a:spcPts val="0"/>
+              </a:spcAft>
+              <a:buNone/>
+            </a:pPr>
+            <a:r>
+              <a:t/>
+            </a:r>
+            <a:endParaRPr sz="1400">
+              <a:solidFill>
+                <a:schemeClr val="lt1"/>
+              </a:solidFill>
+              <a:latin typeface="Calibri"/>
+              <a:ea typeface="Calibri"/>
+              <a:cs typeface="Calibri"/>
+              <a:sym typeface="Calibri"/>
+            </a:endParaRPr>
+          </a:p>
+        </p:txBody>
+      </p:sp>
+      <p:sp>
+        <p:nvSpPr>
+          <p:cNvPr id="189" name="Google Shape;189;p31"/>
+          <p:cNvSpPr txBox="1"/>
+          <p:nvPr/>
+        </p:nvSpPr>
+        <p:spPr>
+          <a:xfrm>
+            <a:off x="764375" y="828675"/>
+            <a:ext cx="2200200" cy="438600"/>
+          </a:xfrm>
+          <a:prstGeom prst="rect">
+            <a:avLst/>
+          </a:prstGeom>
+          <a:noFill/>
+          <a:ln>
+            <a:noFill/>
+          </a:ln>
+        </p:spPr>
+        <p:txBody>
+          <a:bodyPr anchorCtr="0" anchor="t" bIns="34275" lIns="68575" spcFirstLastPara="1" rIns="68575" wrap="square" tIns="34275">
+            <a:spAutoFit/>
+          </a:bodyPr>
+          <a:lstStyle/>
+          <a:p>
+            <a:pPr indent="0" lvl="0" marL="0" marR="0" rtl="0" algn="l">
+              <a:spcBef>
+                <a:spcPts val="0"/>
+              </a:spcBef>
+              <a:spcAft>
+                <a:spcPts val="0"/>
+              </a:spcAft>
+              <a:buNone/>
+            </a:pPr>
+            <a:r>
+              <a:rPr b="1" lang="pt-BR" sz="2400">
+                <a:solidFill>
+                  <a:srgbClr val="62A8DB"/>
+                </a:solidFill>
+                <a:latin typeface="Montserrat"/>
+                <a:ea typeface="Montserrat"/>
+                <a:cs typeface="Montserrat"/>
+                <a:sym typeface="Montserrat"/>
+              </a:rPr>
+              <a:t>Implantação</a:t>
+            </a:r>
+            <a:endParaRPr sz="1100"/>
+          </a:p>
+        </p:txBody>
+      </p:sp>
+      <p:pic>
+        <p:nvPicPr>
+          <p:cNvPr id="190" name="Google Shape;190;p31"/>
+          <p:cNvPicPr preferRelativeResize="0"/>
+          <p:nvPr/>
+        </p:nvPicPr>
+        <p:blipFill rotWithShape="1">
+          <a:blip r:embed="rId3">
+            <a:alphaModFix/>
+          </a:blip>
+          <a:srcRect b="0" l="0" r="0" t="0"/>
+          <a:stretch/>
+        </p:blipFill>
+        <p:spPr>
+          <a:xfrm>
+            <a:off x="8728472" y="82153"/>
+            <a:ext cx="339476" cy="292894"/>
+          </a:xfrm>
+          <a:prstGeom prst="rect">
+            <a:avLst/>
+          </a:prstGeom>
+          <a:noFill/>
+          <a:ln>
+            <a:noFill/>
+          </a:ln>
+        </p:spPr>
+      </p:pic>
+      <p:pic>
+        <p:nvPicPr>
+          <p:cNvPr id="191" name="Google Shape;191;p31"/>
           <p:cNvPicPr preferRelativeResize="0"/>
           <p:nvPr/>
         </p:nvPicPr>
@@ -19455,7 +19771,7 @@
       </p:pic>
       <p:sp>
         <p:nvSpPr>
-          <p:cNvPr id="182" name="Google Shape;182;p30"/>
+          <p:cNvPr id="192" name="Google Shape;192;p31"/>
           <p:cNvSpPr txBox="1"/>
           <p:nvPr/>
         </p:nvSpPr>
@@ -19505,7 +19821,7 @@
       </p:sp>
       <p:pic>
         <p:nvPicPr>
-          <p:cNvPr id="183" name="Google Shape;183;p30"/>
+          <p:cNvPr id="193" name="Google Shape;193;p31"/>
           <p:cNvPicPr preferRelativeResize="0"/>
           <p:nvPr/>
         </p:nvPicPr>
@@ -19532,7 +19848,7 @@
       </p:pic>
       <p:pic>
         <p:nvPicPr>
-          <p:cNvPr id="184" name="Google Shape;184;p30"/>
+          <p:cNvPr id="194" name="Google Shape;194;p31"/>
           <p:cNvPicPr preferRelativeResize="0"/>
           <p:nvPr/>
         </p:nvPicPr>
@@ -19559,7 +19875,7 @@
       </p:pic>
       <p:pic>
         <p:nvPicPr>
-          <p:cNvPr id="185" name="Google Shape;185;p30"/>
+          <p:cNvPr id="195" name="Google Shape;195;p31"/>
           <p:cNvPicPr preferRelativeResize="0"/>
           <p:nvPr/>
         </p:nvPicPr>
@@ -19586,7 +19902,7 @@
       </p:pic>
       <p:pic>
         <p:nvPicPr>
-          <p:cNvPr id="186" name="Google Shape;186;p30"/>
+          <p:cNvPr id="196" name="Google Shape;196;p31"/>
           <p:cNvPicPr preferRelativeResize="0"/>
           <p:nvPr/>
         </p:nvPicPr>
@@ -19613,7 +19929,7 @@
       </p:pic>
       <p:pic>
         <p:nvPicPr>
-          <p:cNvPr id="187" name="Google Shape;187;p30"/>
+          <p:cNvPr id="197" name="Google Shape;197;p31"/>
           <p:cNvPicPr preferRelativeResize="0"/>
           <p:nvPr/>
         </p:nvPicPr>
@@ -19640,7 +19956,7 @@
       </p:pic>
       <p:sp>
         <p:nvSpPr>
-          <p:cNvPr id="188" name="Google Shape;188;p30"/>
+          <p:cNvPr id="198" name="Google Shape;198;p31"/>
           <p:cNvSpPr txBox="1"/>
           <p:nvPr/>
         </p:nvSpPr>
@@ -19703,7 +20019,7 @@
       </p:sp>
       <p:sp>
         <p:nvSpPr>
-          <p:cNvPr id="189" name="Google Shape;189;p30"/>
+          <p:cNvPr id="199" name="Google Shape;199;p31"/>
           <p:cNvSpPr txBox="1"/>
           <p:nvPr/>
         </p:nvSpPr>
@@ -19766,7 +20082,7 @@
       </p:sp>
       <p:sp>
         <p:nvSpPr>
-          <p:cNvPr id="190" name="Google Shape;190;p30"/>
+          <p:cNvPr id="200" name="Google Shape;200;p31"/>
           <p:cNvSpPr txBox="1"/>
           <p:nvPr/>
         </p:nvSpPr>
@@ -19829,7 +20145,7 @@
       </p:sp>
       <p:sp>
         <p:nvSpPr>
-          <p:cNvPr id="191" name="Google Shape;191;p30"/>
+          <p:cNvPr id="201" name="Google Shape;201;p31"/>
           <p:cNvSpPr txBox="1"/>
           <p:nvPr/>
         </p:nvSpPr>
@@ -19898,7 +20214,7 @@
 </p:sld>
 </file>
 
-<file path=ppt/slides/slide7.xml><?xml version="1.0" encoding="utf-8"?>
+<file path=ppt/slides/slide8.xml><?xml version="1.0" encoding="utf-8"?>
 <p:sld xmlns:a="http://schemas.openxmlformats.org/drawingml/2006/main" xmlns:r="http://schemas.openxmlformats.org/officeDocument/2006/relationships" xmlns:mc="http://schemas.openxmlformats.org/markup-compatibility/2006" xmlns:mv="urn:schemas-microsoft-com:mac:vml" xmlns:p="http://schemas.openxmlformats.org/presentationml/2006/main" xmlns:c="http://schemas.openxmlformats.org/drawingml/2006/chart" xmlns:dgm="http://schemas.openxmlformats.org/drawingml/2006/diagram" xmlns:o="urn:schemas-microsoft-com:office:office" xmlns:v="urn:schemas-microsoft-com:vml" xmlns:pvml="urn:schemas-microsoft-com:office:powerpoint" xmlns:com="http://schemas.openxmlformats.org/drawingml/2006/compatibility" xmlns:p14="http://schemas.microsoft.com/office/powerpoint/2010/main" xmlns:p15="http://schemas.microsoft.com/office/powerpoint/2012/main" xmlns:ahyp="http://schemas.microsoft.com/office/drawing/2018/hyperlinkcolor">
   <p:cSld>
     <p:bg>
@@ -19910,7 +20226,7 @@
     </p:bg>
     <p:spTree>
       <p:nvGrpSpPr>
-        <p:cNvPr id="195" name="Shape 195"/>
+        <p:cNvPr id="205" name="Shape 205"/>
         <p:cNvGrpSpPr/>
         <p:nvPr/>
       </p:nvGrpSpPr>
@@ -19924,7 +20240,7 @@
       </p:grpSpPr>
       <p:pic>
         <p:nvPicPr>
-          <p:cNvPr id="196" name="Google Shape;196;p31"/>
+          <p:cNvPr id="206" name="Google Shape;206;p32"/>
           <p:cNvPicPr preferRelativeResize="0"/>
           <p:nvPr/>
         </p:nvPicPr>
@@ -19949,272 +20265,6 @@
           </a:ln>
         </p:spPr>
       </p:pic>
-      <p:sp>
-        <p:nvSpPr>
-          <p:cNvPr id="197" name="Google Shape;197;p31"/>
-          <p:cNvSpPr/>
-          <p:nvPr/>
-        </p:nvSpPr>
-        <p:spPr>
-          <a:xfrm>
-            <a:off x="-228600" y="0"/>
-            <a:ext cx="607219" cy="5143500"/>
-          </a:xfrm>
-          <a:prstGeom prst="roundRect">
-            <a:avLst>
-              <a:gd fmla="val 16667" name="adj"/>
-            </a:avLst>
-          </a:prstGeom>
-          <a:solidFill>
-            <a:srgbClr val="62A8DB"/>
-          </a:solidFill>
-          <a:ln>
-            <a:noFill/>
-          </a:ln>
-        </p:spPr>
-        <p:txBody>
-          <a:bodyPr anchorCtr="0" anchor="ctr" bIns="34275" lIns="68575" spcFirstLastPara="1" rIns="68575" wrap="square" tIns="34275">
-            <a:noAutofit/>
-          </a:bodyPr>
-          <a:lstStyle/>
-          <a:p>
-            <a:pPr indent="0" lvl="0" marL="0" marR="0" rtl="0" algn="ctr">
-              <a:spcBef>
-                <a:spcPts val="0"/>
-              </a:spcBef>
-              <a:spcAft>
-                <a:spcPts val="0"/>
-              </a:spcAft>
-              <a:buNone/>
-            </a:pPr>
-            <a:r>
-              <a:t/>
-            </a:r>
-            <a:endParaRPr sz="1400">
-              <a:solidFill>
-                <a:schemeClr val="lt1"/>
-              </a:solidFill>
-              <a:latin typeface="Calibri"/>
-              <a:ea typeface="Calibri"/>
-              <a:cs typeface="Calibri"/>
-              <a:sym typeface="Calibri"/>
-            </a:endParaRPr>
-          </a:p>
-        </p:txBody>
-      </p:sp>
-      <p:sp>
-        <p:nvSpPr>
-          <p:cNvPr id="198" name="Google Shape;198;p31"/>
-          <p:cNvSpPr txBox="1"/>
-          <p:nvPr/>
-        </p:nvSpPr>
-        <p:spPr>
-          <a:xfrm>
-            <a:off x="871537" y="46710"/>
-            <a:ext cx="1107515" cy="438581"/>
-          </a:xfrm>
-          <a:prstGeom prst="rect">
-            <a:avLst/>
-          </a:prstGeom>
-          <a:noFill/>
-          <a:ln>
-            <a:noFill/>
-          </a:ln>
-        </p:spPr>
-        <p:txBody>
-          <a:bodyPr anchorCtr="0" anchor="t" bIns="34275" lIns="68575" spcFirstLastPara="1" rIns="68575" wrap="square" tIns="34275">
-            <a:spAutoFit/>
-          </a:bodyPr>
-          <a:lstStyle/>
-          <a:p>
-            <a:pPr indent="0" lvl="0" marL="0" marR="0" rtl="0" algn="l">
-              <a:spcBef>
-                <a:spcPts val="0"/>
-              </a:spcBef>
-              <a:spcAft>
-                <a:spcPts val="0"/>
-              </a:spcAft>
-              <a:buNone/>
-            </a:pPr>
-            <a:r>
-              <a:rPr b="1" lang="pt-BR" sz="2400">
-                <a:solidFill>
-                  <a:srgbClr val="62A8DB"/>
-                </a:solidFill>
-                <a:latin typeface="Montserrat"/>
-                <a:ea typeface="Montserrat"/>
-                <a:cs typeface="Montserrat"/>
-                <a:sym typeface="Montserrat"/>
-              </a:rPr>
-              <a:t>Home</a:t>
-            </a:r>
-            <a:endParaRPr sz="1100"/>
-          </a:p>
-        </p:txBody>
-      </p:sp>
-      <p:pic>
-        <p:nvPicPr>
-          <p:cNvPr id="199" name="Google Shape;199;p31"/>
-          <p:cNvPicPr preferRelativeResize="0"/>
-          <p:nvPr/>
-        </p:nvPicPr>
-        <p:blipFill rotWithShape="1">
-          <a:blip r:embed="rId4">
-            <a:alphaModFix/>
-          </a:blip>
-          <a:srcRect b="0" l="0" r="0" t="0"/>
-          <a:stretch/>
-        </p:blipFill>
-        <p:spPr>
-          <a:xfrm>
-            <a:off x="8728472" y="82153"/>
-            <a:ext cx="339476" cy="292894"/>
-          </a:xfrm>
-          <a:prstGeom prst="rect">
-            <a:avLst/>
-          </a:prstGeom>
-          <a:noFill/>
-          <a:ln>
-            <a:noFill/>
-          </a:ln>
-        </p:spPr>
-      </p:pic>
-      <p:pic>
-        <p:nvPicPr>
-          <p:cNvPr id="200" name="Google Shape;200;p31"/>
-          <p:cNvPicPr preferRelativeResize="0"/>
-          <p:nvPr/>
-        </p:nvPicPr>
-        <p:blipFill rotWithShape="1">
-          <a:blip r:embed="rId5">
-            <a:alphaModFix/>
-          </a:blip>
-          <a:srcRect b="0" l="0" r="0" t="0"/>
-          <a:stretch/>
-        </p:blipFill>
-        <p:spPr>
-          <a:xfrm>
-            <a:off x="546290" y="156956"/>
-            <a:ext cx="218090" cy="218090"/>
-          </a:xfrm>
-          <a:prstGeom prst="rect">
-            <a:avLst/>
-          </a:prstGeom>
-          <a:noFill/>
-          <a:ln>
-            <a:noFill/>
-          </a:ln>
-        </p:spPr>
-      </p:pic>
-      <p:sp>
-        <p:nvSpPr>
-          <p:cNvPr id="201" name="Google Shape;201;p31"/>
-          <p:cNvSpPr txBox="1"/>
-          <p:nvPr/>
-        </p:nvSpPr>
-        <p:spPr>
-          <a:xfrm rot="5400000">
-            <a:off x="-106441" y="2986102"/>
-            <a:ext cx="441467" cy="150041"/>
-          </a:xfrm>
-          <a:prstGeom prst="rect">
-            <a:avLst/>
-          </a:prstGeom>
-          <a:noFill/>
-          <a:ln>
-            <a:noFill/>
-          </a:ln>
-        </p:spPr>
-        <p:txBody>
-          <a:bodyPr anchorCtr="0" anchor="t" bIns="34275" lIns="68575" spcFirstLastPara="1" rIns="68575" wrap="square" tIns="34275">
-            <a:spAutoFit/>
-          </a:bodyPr>
-          <a:lstStyle/>
-          <a:p>
-            <a:pPr indent="0" lvl="0" marL="0" marR="0" rtl="0" algn="l">
-              <a:spcBef>
-                <a:spcPts val="0"/>
-              </a:spcBef>
-              <a:spcAft>
-                <a:spcPts val="0"/>
-              </a:spcAft>
-              <a:buNone/>
-            </a:pPr>
-            <a:r>
-              <a:rPr lang="pt-BR" sz="500">
-                <a:solidFill>
-                  <a:schemeClr val="lt1"/>
-                </a:solidFill>
-                <a:latin typeface="Montserrat"/>
-                <a:ea typeface="Montserrat"/>
-                <a:cs typeface="Montserrat"/>
-                <a:sym typeface="Montserrat"/>
-              </a:rPr>
-              <a:t>Interface</a:t>
-            </a:r>
-            <a:endParaRPr sz="1100"/>
-          </a:p>
-        </p:txBody>
-      </p:sp>
-      <p:pic>
-        <p:nvPicPr>
-          <p:cNvPr id="202" name="Google Shape;202;p31"/>
-          <p:cNvPicPr preferRelativeResize="0"/>
-          <p:nvPr/>
-        </p:nvPicPr>
-        <p:blipFill rotWithShape="1">
-          <a:blip r:embed="rId6">
-            <a:alphaModFix/>
-          </a:blip>
-          <a:srcRect b="45252" l="0" r="0" t="-1"/>
-          <a:stretch/>
-        </p:blipFill>
-        <p:spPr>
-          <a:xfrm>
-            <a:off x="6731798" y="1076165"/>
-            <a:ext cx="1278337" cy="4067336"/>
-          </a:xfrm>
-          <a:prstGeom prst="rect">
-            <a:avLst/>
-          </a:prstGeom>
-          <a:noFill/>
-          <a:ln>
-            <a:noFill/>
-          </a:ln>
-        </p:spPr>
-      </p:pic>
-    </p:spTree>
-  </p:cSld>
-  <p:clrMapOvr>
-    <a:masterClrMapping/>
-  </p:clrMapOvr>
-</p:sld>
-</file>
-
-<file path=ppt/slides/slide8.xml><?xml version="1.0" encoding="utf-8"?>
-<p:sld xmlns:a="http://schemas.openxmlformats.org/drawingml/2006/main" xmlns:r="http://schemas.openxmlformats.org/officeDocument/2006/relationships" xmlns:mc="http://schemas.openxmlformats.org/markup-compatibility/2006" xmlns:mv="urn:schemas-microsoft-com:mac:vml" xmlns:p="http://schemas.openxmlformats.org/presentationml/2006/main" xmlns:c="http://schemas.openxmlformats.org/drawingml/2006/chart" xmlns:dgm="http://schemas.openxmlformats.org/drawingml/2006/diagram" xmlns:o="urn:schemas-microsoft-com:office:office" xmlns:v="urn:schemas-microsoft-com:vml" xmlns:pvml="urn:schemas-microsoft-com:office:powerpoint" xmlns:com="http://schemas.openxmlformats.org/drawingml/2006/compatibility" xmlns:p14="http://schemas.microsoft.com/office/powerpoint/2010/main" xmlns:p15="http://schemas.microsoft.com/office/powerpoint/2012/main" xmlns:ahyp="http://schemas.microsoft.com/office/drawing/2018/hyperlinkcolor">
-  <p:cSld>
-    <p:bg>
-      <p:bgPr>
-        <a:solidFill>
-          <a:schemeClr val="lt1"/>
-        </a:solidFill>
-      </p:bgPr>
-    </p:bg>
-    <p:spTree>
-      <p:nvGrpSpPr>
-        <p:cNvPr id="206" name="Shape 206"/>
-        <p:cNvGrpSpPr/>
-        <p:nvPr/>
-      </p:nvGrpSpPr>
-      <p:grpSpPr>
-        <a:xfrm>
-          <a:off x="0" y="0"/>
-          <a:ext cx="0" cy="0"/>
-          <a:chOff x="0" y="0"/>
-          <a:chExt cx="0" cy="0"/>
-        </a:xfrm>
-      </p:grpSpPr>
       <p:sp>
         <p:nvSpPr>
           <p:cNvPr id="207" name="Google Shape;207;p32"/>
@@ -20277,7 +20327,7 @@
         <p:spPr>
           <a:xfrm>
             <a:off x="871537" y="46710"/>
-            <a:ext cx="6738864" cy="438581"/>
+            <a:ext cx="1107515" cy="438581"/>
           </a:xfrm>
           <a:prstGeom prst="rect">
             <a:avLst/>
@@ -20312,7 +20362,7 @@
                 <a:cs typeface="Montserrat"/>
                 <a:sym typeface="Montserrat"/>
               </a:rPr>
-              <a:t>Gerenciamento de dentistas (Instituição)</a:t>
+              <a:t>Home</a:t>
             </a:r>
             <a:endParaRPr sz="1100"/>
           </a:p>
@@ -20325,7 +20375,7 @@
           <p:nvPr/>
         </p:nvPicPr>
         <p:blipFill rotWithShape="1">
-          <a:blip r:embed="rId3">
+          <a:blip r:embed="rId4">
             <a:alphaModFix/>
           </a:blip>
           <a:srcRect b="0" l="0" r="0" t="0"/>
@@ -20352,7 +20402,7 @@
           <p:nvPr/>
         </p:nvPicPr>
         <p:blipFill rotWithShape="1">
-          <a:blip r:embed="rId4">
+          <a:blip r:embed="rId5">
             <a:alphaModFix/>
           </a:blip>
           <a:srcRect b="0" l="0" r="0" t="0"/>
@@ -20429,43 +20479,16 @@
           <p:nvPr/>
         </p:nvPicPr>
         <p:blipFill rotWithShape="1">
-          <a:blip r:embed="rId5">
+          <a:blip r:embed="rId6">
             <a:alphaModFix/>
           </a:blip>
-          <a:srcRect b="0" l="0" r="0" t="0"/>
+          <a:srcRect b="45252" l="0" r="0" t="-1"/>
           <a:stretch/>
         </p:blipFill>
         <p:spPr>
           <a:xfrm>
-            <a:off x="7173485" y="1187510"/>
-            <a:ext cx="1164454" cy="3305756"/>
-          </a:xfrm>
-          <a:prstGeom prst="rect">
-            <a:avLst/>
-          </a:prstGeom>
-          <a:noFill/>
-          <a:ln>
-            <a:noFill/>
-          </a:ln>
-        </p:spPr>
-      </p:pic>
-      <p:pic>
-        <p:nvPicPr>
-          <p:cNvPr id="213" name="Google Shape;213;p32"/>
-          <p:cNvPicPr preferRelativeResize="0"/>
-          <p:nvPr/>
-        </p:nvPicPr>
-        <p:blipFill rotWithShape="1">
-          <a:blip r:embed="rId6">
-            <a:alphaModFix/>
-          </a:blip>
-          <a:srcRect b="0" l="0" r="0" t="0"/>
-          <a:stretch/>
-        </p:blipFill>
-        <p:spPr>
-          <a:xfrm>
-            <a:off x="806061" y="929613"/>
-            <a:ext cx="6219799" cy="3498637"/>
+            <a:off x="6731798" y="1076165"/>
+            <a:ext cx="1278337" cy="4067336"/>
           </a:xfrm>
           <a:prstGeom prst="rect">
             <a:avLst/>
@@ -20496,7 +20519,7 @@
     </p:bg>
     <p:spTree>
       <p:nvGrpSpPr>
-        <p:cNvPr id="217" name="Shape 217"/>
+        <p:cNvPr id="216" name="Shape 216"/>
         <p:cNvGrpSpPr/>
         <p:nvPr/>
       </p:nvGrpSpPr>
@@ -20510,7 +20533,7 @@
       </p:grpSpPr>
       <p:sp>
         <p:nvSpPr>
-          <p:cNvPr id="218" name="Google Shape;218;p33"/>
+          <p:cNvPr id="217" name="Google Shape;217;p33"/>
           <p:cNvSpPr/>
           <p:nvPr/>
         </p:nvSpPr>
@@ -20563,14 +20586,14 @@
       </p:sp>
       <p:sp>
         <p:nvSpPr>
-          <p:cNvPr id="219" name="Google Shape;219;p33"/>
+          <p:cNvPr id="218" name="Google Shape;218;p33"/>
           <p:cNvSpPr txBox="1"/>
           <p:nvPr/>
         </p:nvSpPr>
         <p:spPr>
           <a:xfrm>
             <a:off x="871537" y="46710"/>
-            <a:ext cx="4596451" cy="438581"/>
+            <a:ext cx="6738864" cy="438581"/>
           </a:xfrm>
           <a:prstGeom prst="rect">
             <a:avLst/>
@@ -20605,7 +20628,7 @@
                 <a:cs typeface="Montserrat"/>
                 <a:sym typeface="Montserrat"/>
               </a:rPr>
-              <a:t>Buscar pacientes (Dentista)</a:t>
+              <a:t>Gerenciamento de dentistas (Instituição)</a:t>
             </a:r>
             <a:endParaRPr sz="1100"/>
           </a:p>
@@ -20613,7 +20636,7 @@
       </p:sp>
       <p:pic>
         <p:nvPicPr>
-          <p:cNvPr id="220" name="Google Shape;220;p33"/>
+          <p:cNvPr id="219" name="Google Shape;219;p33"/>
           <p:cNvPicPr preferRelativeResize="0"/>
           <p:nvPr/>
         </p:nvPicPr>
@@ -20640,7 +20663,7 @@
       </p:pic>
       <p:pic>
         <p:nvPicPr>
-          <p:cNvPr id="221" name="Google Shape;221;p33"/>
+          <p:cNvPr id="220" name="Google Shape;220;p33"/>
           <p:cNvPicPr preferRelativeResize="0"/>
           <p:nvPr/>
         </p:nvPicPr>
@@ -20667,7 +20690,7 @@
       </p:pic>
       <p:sp>
         <p:nvSpPr>
-          <p:cNvPr id="222" name="Google Shape;222;p33"/>
+          <p:cNvPr id="221" name="Google Shape;221;p33"/>
           <p:cNvSpPr txBox="1"/>
           <p:nvPr/>
         </p:nvSpPr>
@@ -20717,21 +20740,22 @@
       </p:sp>
       <p:pic>
         <p:nvPicPr>
-          <p:cNvPr id="223" name="Google Shape;223;p33"/>
+          <p:cNvPr id="222" name="Google Shape;222;p33"/>
           <p:cNvPicPr preferRelativeResize="0"/>
           <p:nvPr/>
         </p:nvPicPr>
-        <p:blipFill rotWithShape="1">
+        <p:blipFill>
           <a:blip r:embed="rId5">
             <a:alphaModFix/>
           </a:blip>
-          <a:srcRect b="62868" l="0" r="0" t="0"/>
-          <a:stretch/>
+          <a:stretch>
+            <a:fillRect/>
+          </a:stretch>
         </p:blipFill>
         <p:spPr>
           <a:xfrm>
-            <a:off x="6575549" y="953555"/>
-            <a:ext cx="1603682" cy="4189945"/>
+            <a:off x="622775" y="1255512"/>
+            <a:ext cx="6419986" cy="3611239"/>
           </a:xfrm>
           <a:prstGeom prst="rect">
             <a:avLst/>
@@ -20744,21 +20768,22 @@
       </p:pic>
       <p:pic>
         <p:nvPicPr>
-          <p:cNvPr id="224" name="Google Shape;224;p33"/>
+          <p:cNvPr id="223" name="Google Shape;223;p33"/>
           <p:cNvPicPr preferRelativeResize="0"/>
           <p:nvPr/>
         </p:nvPicPr>
-        <p:blipFill rotWithShape="1">
+        <p:blipFill>
           <a:blip r:embed="rId6">
             <a:alphaModFix/>
           </a:blip>
-          <a:srcRect b="13552" l="0" r="0" t="0"/>
-          <a:stretch/>
+          <a:stretch>
+            <a:fillRect/>
+          </a:stretch>
         </p:blipFill>
         <p:spPr>
           <a:xfrm>
-            <a:off x="964769" y="727891"/>
-            <a:ext cx="5497322" cy="4415609"/>
+            <a:off x="7286900" y="1131611"/>
+            <a:ext cx="1359350" cy="3859026"/>
           </a:xfrm>
           <a:prstGeom prst="rect">
             <a:avLst/>
@@ -20778,9 +20803,9 @@
 </file>
 
 <file path=ppt/theme/theme1.xml><?xml version="1.0" encoding="utf-8"?>
-<a:theme xmlns:a="http://schemas.openxmlformats.org/drawingml/2006/main" xmlns:r="http://schemas.openxmlformats.org/officeDocument/2006/relationships">
+<a:theme xmlns:a="http://schemas.openxmlformats.org/drawingml/2006/main" xmlns:r="http://schemas.openxmlformats.org/officeDocument/2006/relationships" name="Simple Light">
   <a:themeElements>
-    <a:clrScheme name="Default">
+    <a:clrScheme name="Simple Light">
       <a:dk1>
         <a:srgbClr val="000000"/>
       </a:dk1>
@@ -20788,34 +20813,34 @@
         <a:srgbClr val="FFFFFF"/>
       </a:lt1>
       <a:dk2>
-        <a:srgbClr val="158158"/>
+        <a:srgbClr val="595959"/>
       </a:dk2>
       <a:lt2>
-        <a:srgbClr val="F3F3F3"/>
+        <a:srgbClr val="EEEEEE"/>
       </a:lt2>
       <a:accent1>
-        <a:srgbClr val="058DC7"/>
+        <a:srgbClr val="4285F4"/>
       </a:accent1>
       <a:accent2>
-        <a:srgbClr val="50B432"/>
+        <a:srgbClr val="212121"/>
       </a:accent2>
       <a:accent3>
-        <a:srgbClr val="ED561B"/>
+        <a:srgbClr val="78909C"/>
       </a:accent3>
       <a:accent4>
-        <a:srgbClr val="EDEF00"/>
+        <a:srgbClr val="FFAB40"/>
       </a:accent4>
       <a:accent5>
-        <a:srgbClr val="24CBE5"/>
+        <a:srgbClr val="0097A7"/>
       </a:accent5>
       <a:accent6>
-        <a:srgbClr val="64E572"/>
+        <a:srgbClr val="EEFF41"/>
       </a:accent6>
       <a:hlink>
-        <a:srgbClr val="2200CC"/>
+        <a:srgbClr val="0097A7"/>
       </a:hlink>
       <a:folHlink>
-        <a:srgbClr val="551A8B"/>
+        <a:srgbClr val="0097A7"/>
       </a:folHlink>
     </a:clrScheme>
     <a:fontScheme name="Office">
@@ -21336,9 +21361,9 @@
 </file>
 
 <file path=ppt/theme/theme3.xml><?xml version="1.0" encoding="utf-8"?>
-<a:theme xmlns:a="http://schemas.openxmlformats.org/drawingml/2006/main" xmlns:r="http://schemas.openxmlformats.org/officeDocument/2006/relationships" name="Simple Light">
+<a:theme xmlns:a="http://schemas.openxmlformats.org/drawingml/2006/main" xmlns:r="http://schemas.openxmlformats.org/officeDocument/2006/relationships">
   <a:themeElements>
-    <a:clrScheme name="Simple Light">
+    <a:clrScheme name="Default">
       <a:dk1>
         <a:srgbClr val="000000"/>
       </a:dk1>
@@ -21346,34 +21371,34 @@
         <a:srgbClr val="FFFFFF"/>
       </a:lt1>
       <a:dk2>
-        <a:srgbClr val="595959"/>
+        <a:srgbClr val="158158"/>
       </a:dk2>
       <a:lt2>
-        <a:srgbClr val="EEEEEE"/>
+        <a:srgbClr val="F3F3F3"/>
       </a:lt2>
       <a:accent1>
-        <a:srgbClr val="4285F4"/>
+        <a:srgbClr val="058DC7"/>
       </a:accent1>
       <a:accent2>
-        <a:srgbClr val="212121"/>
+        <a:srgbClr val="50B432"/>
       </a:accent2>
       <a:accent3>
-        <a:srgbClr val="78909C"/>
+        <a:srgbClr val="ED561B"/>
       </a:accent3>
       <a:accent4>
-        <a:srgbClr val="FFAB40"/>
+        <a:srgbClr val="EDEF00"/>
       </a:accent4>
       <a:accent5>
-        <a:srgbClr val="0097A7"/>
+        <a:srgbClr val="24CBE5"/>
       </a:accent5>
       <a:accent6>
-        <a:srgbClr val="EEFF41"/>
+        <a:srgbClr val="64E572"/>
       </a:accent6>
       <a:hlink>
-        <a:srgbClr val="0097A7"/>
+        <a:srgbClr val="2200CC"/>
       </a:hlink>
       <a:folHlink>
-        <a:srgbClr val="0097A7"/>
+        <a:srgbClr val="551A8B"/>
       </a:folHlink>
     </a:clrScheme>
     <a:fontScheme name="Office">
